--- a/第10组.pptx
+++ b/第10组.pptx
@@ -9357,13 +9357,32 @@
           </a:xfrm>
         </p:spPr>
         <p:txBody>
-          <a:bodyPr/>
-          <a:p>
-            <a:r>
-              <a:rPr lang="zh-CN" altLang="en-US"/>
+          <a:bodyPr>
+            <a:noAutofit/>
+          </a:bodyPr>
+          <a:p>
+            <a:pPr fontAlgn="auto">
+              <a:spcBef>
+                <a:spcPts val="0"/>
+              </a:spcBef>
+            </a:pPr>
+            <a:r>
+              <a:rPr lang="zh-CN" altLang="en-US" sz="1600"/>
               <a:t>https://github.com/Rougnt/RandomWalk</a:t>
             </a:r>
-            <a:endParaRPr lang="zh-CN" altLang="en-US"/>
+            <a:endParaRPr lang="zh-CN" altLang="en-US" sz="1600"/>
+          </a:p>
+          <a:p>
+            <a:pPr fontAlgn="auto">
+              <a:spcBef>
+                <a:spcPts val="0"/>
+              </a:spcBef>
+            </a:pPr>
+            <a:r>
+              <a:rPr lang="zh-CN" altLang="en-US" sz="1600"/>
+              <a:t>https://gitee.com/rogunt/RandomWalk</a:t>
+            </a:r>
+            <a:endParaRPr lang="zh-CN" altLang="en-US" sz="1600"/>
           </a:p>
         </p:txBody>
       </p:sp>

--- a/第10组.pptx
+++ b/第10组.pptx
@@ -13,21 +13,24 @@
     <p:sldId id="695" r:id="rId5"/>
     <p:sldId id="722" r:id="rId7"/>
     <p:sldId id="717" r:id="rId8"/>
-    <p:sldId id="735" r:id="rId9"/>
-    <p:sldId id="724" r:id="rId10"/>
-    <p:sldId id="723" r:id="rId11"/>
-    <p:sldId id="727" r:id="rId12"/>
-    <p:sldId id="730" r:id="rId13"/>
-    <p:sldId id="729" r:id="rId14"/>
-    <p:sldId id="733" r:id="rId15"/>
-    <p:sldId id="736" r:id="rId16"/>
-    <p:sldId id="734" r:id="rId17"/>
-    <p:sldId id="431" r:id="rId18"/>
+    <p:sldId id="745" r:id="rId9"/>
+    <p:sldId id="735" r:id="rId10"/>
+    <p:sldId id="746" r:id="rId11"/>
+    <p:sldId id="724" r:id="rId12"/>
+    <p:sldId id="723" r:id="rId13"/>
+    <p:sldId id="727" r:id="rId14"/>
+    <p:sldId id="730" r:id="rId15"/>
+    <p:sldId id="729" r:id="rId16"/>
+    <p:sldId id="733" r:id="rId17"/>
+    <p:sldId id="736" r:id="rId18"/>
+    <p:sldId id="747" r:id="rId19"/>
+    <p:sldId id="734" r:id="rId20"/>
+    <p:sldId id="431" r:id="rId21"/>
   </p:sldIdLst>
   <p:sldSz cx="12192000" cy="6858000"/>
   <p:notesSz cx="6858000" cy="9144000"/>
   <p:custDataLst>
-    <p:tags r:id="rId23"/>
+    <p:tags r:id="rId26"/>
   </p:custDataLst>
   <p:defaultTextStyle>
     <a:defPPr>
@@ -9029,6 +9032,403 @@
                 <a:ea typeface="微软雅黑" panose="020B0503020204020204" pitchFamily="34" charset="-122"/>
                 <a:cs typeface="+mn-cs"/>
               </a:rPr>
+              <a:t>基于随机游走的图匹配算法</a:t>
+            </a:r>
+            <a:endParaRPr kumimoji="1" lang="zh-CN" altLang="en-US" sz="2000" b="1" i="0" u="none" strike="noStrike" kern="1200" cap="none" spc="0" normalizeH="0" baseline="0" noProof="0" dirty="0">
+              <a:ln>
+                <a:noFill/>
+              </a:ln>
+              <a:solidFill>
+                <a:prstClr val="black"/>
+              </a:solidFill>
+              <a:effectLst/>
+              <a:uLnTx/>
+              <a:uFillTx/>
+              <a:latin typeface="微软雅黑" panose="020B0503020204020204" pitchFamily="34" charset="-122"/>
+              <a:ea typeface="微软雅黑" panose="020B0503020204020204" pitchFamily="34" charset="-122"/>
+              <a:cs typeface="+mn-cs"/>
+            </a:endParaRPr>
+          </a:p>
+        </p:txBody>
+      </p:sp>
+      <p:sp>
+        <p:nvSpPr>
+          <p:cNvPr id="16" name="文本框 15"/>
+          <p:cNvSpPr txBox="1"/>
+          <p:nvPr/>
+        </p:nvSpPr>
+        <p:spPr>
+          <a:xfrm>
+            <a:off x="796925" y="1892935"/>
+            <a:ext cx="9510395" cy="1476375"/>
+          </a:xfrm>
+          <a:prstGeom prst="rect">
+            <a:avLst/>
+          </a:prstGeom>
+          <a:noFill/>
+        </p:spPr>
+        <p:txBody>
+          <a:bodyPr wrap="square">
+            <a:spAutoFit/>
+          </a:bodyPr>
+          <a:lstStyle/>
+          <a:p>
+            <a:pPr marL="228600" marR="0" indent="-228600" algn="just" defTabSz="914400" fontAlgn="auto">
+              <a:lnSpc>
+                <a:spcPct val="150000"/>
+              </a:lnSpc>
+              <a:spcBef>
+                <a:spcPts val="0"/>
+              </a:spcBef>
+              <a:spcAft>
+                <a:spcPts val="0"/>
+              </a:spcAft>
+              <a:buClrTx/>
+              <a:buSzTx/>
+              <a:buFont typeface="Arial" panose="020B0604020202020204" pitchFamily="34" charset="0"/>
+              <a:buChar char="•"/>
+              <a:defRPr/>
+            </a:pPr>
+            <a:r>
+              <a:rPr kumimoji="1" lang="zh-CN" altLang="en-US" sz="2000" b="0" i="0" cap="none" spc="0" normalizeH="0" baseline="0" noProof="0" dirty="0">
+                <a:latin typeface="微软雅黑" panose="020B0503020204020204" pitchFamily="34" charset="-122"/>
+                <a:ea typeface="微软雅黑" panose="020B0503020204020204" pitchFamily="34" charset="-122"/>
+              </a:rPr>
+              <a:t>图匹配（graph matching，GM）算法旨在利用图结构的相似度信息，寻找图结构之间节点与节点之间的匹配关系。在图匹配问题中，</a:t>
+            </a:r>
+            <a:r>
+              <a:rPr kumimoji="1" lang="zh-CN" altLang="en-US" sz="2000" b="0" i="0" cap="none" spc="0" normalizeH="0" baseline="0" noProof="0" dirty="0">
+                <a:latin typeface="微软雅黑" panose="020B0503020204020204" pitchFamily="34" charset="-122"/>
+                <a:ea typeface="微软雅黑" panose="020B0503020204020204" pitchFamily="34" charset="-122"/>
+              </a:rPr>
+              <a:t>需要同时考虑图结构之间节点与节点的一阶相似度以及边与边的二阶相似度。</a:t>
+            </a:r>
+            <a:endParaRPr kumimoji="1" lang="zh-CN" altLang="en-US" sz="2000" b="0" i="0" cap="none" spc="0" normalizeH="0" baseline="0" noProof="0" dirty="0">
+              <a:latin typeface="微软雅黑" panose="020B0503020204020204" pitchFamily="34" charset="-122"/>
+              <a:ea typeface="微软雅黑" panose="020B0503020204020204" pitchFamily="34" charset="-122"/>
+            </a:endParaRPr>
+          </a:p>
+        </p:txBody>
+      </p:sp>
+      <p:pic>
+        <p:nvPicPr>
+          <p:cNvPr id="2" name="图片 1"/>
+          <p:cNvPicPr/>
+          <p:nvPr/>
+        </p:nvPicPr>
+        <p:blipFill>
+          <a:blip r:embed="rId1"/>
+          <a:stretch>
+            <a:fillRect/>
+          </a:stretch>
+        </p:blipFill>
+        <p:spPr>
+          <a:xfrm>
+            <a:off x="2236470" y="3763645"/>
+            <a:ext cx="6631305" cy="2141855"/>
+          </a:xfrm>
+          <a:prstGeom prst="rect">
+            <a:avLst/>
+          </a:prstGeom>
+          <a:noFill/>
+          <a:ln w="9525">
+            <a:noFill/>
+          </a:ln>
+        </p:spPr>
+      </p:pic>
+    </p:spTree>
+  </p:cSld>
+  <p:clrMapOvr>
+    <a:masterClrMapping/>
+  </p:clrMapOvr>
+</p:sld>
+</file>
+
+<file path=ppt/slides/slide11.xml><?xml version="1.0" encoding="utf-8"?>
+<p:sld xmlns:a="http://schemas.openxmlformats.org/drawingml/2006/main" xmlns:r="http://schemas.openxmlformats.org/officeDocument/2006/relationships" xmlns:p="http://schemas.openxmlformats.org/presentationml/2006/main">
+  <p:cSld>
+    <p:spTree>
+      <p:nvGrpSpPr>
+        <p:cNvPr id="1" name=""/>
+        <p:cNvGrpSpPr/>
+        <p:nvPr/>
+      </p:nvGrpSpPr>
+      <p:grpSpPr>
+        <a:xfrm>
+          <a:off x="0" y="0"/>
+          <a:ext cx="0" cy="0"/>
+          <a:chOff x="0" y="0"/>
+          <a:chExt cx="0" cy="0"/>
+        </a:xfrm>
+      </p:grpSpPr>
+      <p:sp>
+        <p:nvSpPr>
+          <p:cNvPr id="8" name="标题 1"/>
+          <p:cNvSpPr>
+            <a:spLocks noGrp="1"/>
+          </p:cNvSpPr>
+          <p:nvPr>
+            <p:ph type="title"/>
+          </p:nvPr>
+        </p:nvSpPr>
+        <p:spPr>
+          <a:xfrm>
+            <a:off x="2584810" y="342980"/>
+            <a:ext cx="8579679" cy="658651"/>
+          </a:xfrm>
+        </p:spPr>
+        <p:txBody>
+          <a:bodyPr>
+            <a:normAutofit/>
+          </a:bodyPr>
+          <a:lstStyle/>
+          <a:p>
+            <a:r>
+              <a:rPr kumimoji="1" lang="zh-CN" altLang="en-US" spc="800" dirty="0"/>
+              <a:t>随机游走图论应用</a:t>
+            </a:r>
+            <a:r>
+              <a:rPr kumimoji="1" lang="zh-CN" altLang="en-US" spc="800" dirty="0"/>
+              <a:t>示例</a:t>
+            </a:r>
+            <a:endParaRPr kumimoji="1" lang="zh-CN" altLang="en-US" spc="800" dirty="0"/>
+          </a:p>
+        </p:txBody>
+      </p:sp>
+      <p:sp>
+        <p:nvSpPr>
+          <p:cNvPr id="12" name="矩形 11"/>
+          <p:cNvSpPr/>
+          <p:nvPr/>
+        </p:nvSpPr>
+        <p:spPr>
+          <a:xfrm>
+            <a:off x="353695" y="1358265"/>
+            <a:ext cx="10015220" cy="398780"/>
+          </a:xfrm>
+          <a:prstGeom prst="rect">
+            <a:avLst/>
+          </a:prstGeom>
+        </p:spPr>
+        <p:txBody>
+          <a:bodyPr wrap="square">
+            <a:spAutoFit/>
+          </a:bodyPr>
+          <a:lstStyle/>
+          <a:p>
+            <a:pPr marL="342900" marR="0" lvl="0" indent="-342900" algn="l" defTabSz="914400" rtl="0" eaLnBrk="1" fontAlgn="auto" latinLnBrk="0" hangingPunct="1">
+              <a:lnSpc>
+                <a:spcPct val="100000"/>
+              </a:lnSpc>
+              <a:spcBef>
+                <a:spcPts val="0"/>
+              </a:spcBef>
+              <a:spcAft>
+                <a:spcPts val="0"/>
+              </a:spcAft>
+              <a:buClrTx/>
+              <a:buSzTx/>
+              <a:buFont typeface="Wingdings" panose="05000000000000000000" pitchFamily="2" charset="2"/>
+              <a:buChar char="Ø"/>
+              <a:defRPr/>
+            </a:pPr>
+            <a:r>
+              <a:rPr kumimoji="1" lang="zh-CN" altLang="en-US" sz="2000" b="1" i="0" u="none" strike="noStrike" kern="1200" cap="none" spc="0" normalizeH="0" baseline="0" noProof="0" dirty="0">
+                <a:ln>
+                  <a:noFill/>
+                </a:ln>
+                <a:solidFill>
+                  <a:prstClr val="black"/>
+                </a:solidFill>
+                <a:effectLst/>
+                <a:uLnTx/>
+                <a:uFillTx/>
+                <a:latin typeface="微软雅黑" panose="020B0503020204020204" pitchFamily="34" charset="-122"/>
+                <a:ea typeface="微软雅黑" panose="020B0503020204020204" pitchFamily="34" charset="-122"/>
+                <a:cs typeface="+mn-cs"/>
+              </a:rPr>
+              <a:t>PageRank算法</a:t>
+            </a:r>
+            <a:endParaRPr kumimoji="1" lang="zh-CN" altLang="en-US" sz="2000" b="1" i="0" u="none" strike="noStrike" kern="1200" cap="none" spc="0" normalizeH="0" baseline="0" noProof="0" dirty="0">
+              <a:ln>
+                <a:noFill/>
+              </a:ln>
+              <a:solidFill>
+                <a:prstClr val="black"/>
+              </a:solidFill>
+              <a:effectLst/>
+              <a:uLnTx/>
+              <a:uFillTx/>
+              <a:latin typeface="微软雅黑" panose="020B0503020204020204" pitchFamily="34" charset="-122"/>
+              <a:ea typeface="微软雅黑" panose="020B0503020204020204" pitchFamily="34" charset="-122"/>
+              <a:cs typeface="+mn-cs"/>
+            </a:endParaRPr>
+          </a:p>
+        </p:txBody>
+      </p:sp>
+      <p:sp>
+        <p:nvSpPr>
+          <p:cNvPr id="16" name="文本框 15"/>
+          <p:cNvSpPr txBox="1"/>
+          <p:nvPr/>
+        </p:nvSpPr>
+        <p:spPr>
+          <a:xfrm>
+            <a:off x="677545" y="2247900"/>
+            <a:ext cx="10487025" cy="1938020"/>
+          </a:xfrm>
+          <a:prstGeom prst="rect">
+            <a:avLst/>
+          </a:prstGeom>
+          <a:noFill/>
+        </p:spPr>
+        <p:txBody>
+          <a:bodyPr wrap="square">
+            <a:spAutoFit/>
+          </a:bodyPr>
+          <a:lstStyle/>
+          <a:p>
+            <a:pPr marL="228600" marR="0" indent="-228600" algn="just" defTabSz="914400" fontAlgn="auto">
+              <a:lnSpc>
+                <a:spcPct val="150000"/>
+              </a:lnSpc>
+              <a:spcBef>
+                <a:spcPts val="0"/>
+              </a:spcBef>
+              <a:spcAft>
+                <a:spcPts val="0"/>
+              </a:spcAft>
+              <a:buClrTx/>
+              <a:buSzTx/>
+              <a:buFont typeface="Arial" panose="020B0604020202020204" pitchFamily="34" charset="0"/>
+              <a:buChar char="•"/>
+              <a:defRPr/>
+            </a:pPr>
+            <a:r>
+              <a:rPr kumimoji="1" lang="zh-CN" altLang="en-US" sz="2000" b="0" i="0" cap="none" spc="0" normalizeH="0" baseline="0" noProof="0" dirty="0">
+                <a:latin typeface="微软雅黑" panose="020B0503020204020204" pitchFamily="34" charset="-122"/>
+                <a:ea typeface="微软雅黑" panose="020B0503020204020204" pitchFamily="34" charset="-122"/>
+              </a:rPr>
+              <a:t>PageRank算法的基本想法是在有向图上定义一个随机游走模型，即一阶马尔可夫链，描述随机游走者沿着有向图随机访问各个结点的行为。用户随机地点击当前网页中的某个链接，跳转到下一个网站，被更多用户访问的网站因此具有更高的权重，在搜索结果中排名更加靠前，通过构建网页之间的链接关系图，搜索引擎就能为所有网页计算权重并排序。</a:t>
+            </a:r>
+            <a:endParaRPr kumimoji="1" lang="zh-CN" altLang="en-US" sz="2000" b="0" i="0" cap="none" spc="0" normalizeH="0" baseline="0" noProof="0" dirty="0">
+              <a:latin typeface="微软雅黑" panose="020B0503020204020204" pitchFamily="34" charset="-122"/>
+              <a:ea typeface="微软雅黑" panose="020B0503020204020204" pitchFamily="34" charset="-122"/>
+            </a:endParaRPr>
+          </a:p>
+        </p:txBody>
+      </p:sp>
+    </p:spTree>
+  </p:cSld>
+  <p:clrMapOvr>
+    <a:masterClrMapping/>
+  </p:clrMapOvr>
+</p:sld>
+</file>
+
+<file path=ppt/slides/slide12.xml><?xml version="1.0" encoding="utf-8"?>
+<p:sld xmlns:a="http://schemas.openxmlformats.org/drawingml/2006/main" xmlns:r="http://schemas.openxmlformats.org/officeDocument/2006/relationships" xmlns:p="http://schemas.openxmlformats.org/presentationml/2006/main">
+  <p:cSld>
+    <p:spTree>
+      <p:nvGrpSpPr>
+        <p:cNvPr id="1" name=""/>
+        <p:cNvGrpSpPr/>
+        <p:nvPr/>
+      </p:nvGrpSpPr>
+      <p:grpSpPr>
+        <a:xfrm>
+          <a:off x="0" y="0"/>
+          <a:ext cx="0" cy="0"/>
+          <a:chOff x="0" y="0"/>
+          <a:chExt cx="0" cy="0"/>
+        </a:xfrm>
+      </p:grpSpPr>
+      <p:sp>
+        <p:nvSpPr>
+          <p:cNvPr id="8" name="标题 1"/>
+          <p:cNvSpPr>
+            <a:spLocks noGrp="1"/>
+          </p:cNvSpPr>
+          <p:nvPr>
+            <p:ph type="title"/>
+          </p:nvPr>
+        </p:nvSpPr>
+        <p:spPr>
+          <a:xfrm>
+            <a:off x="2584810" y="342980"/>
+            <a:ext cx="8579679" cy="658651"/>
+          </a:xfrm>
+        </p:spPr>
+        <p:txBody>
+          <a:bodyPr>
+            <a:normAutofit/>
+          </a:bodyPr>
+          <a:lstStyle/>
+          <a:p>
+            <a:r>
+              <a:rPr kumimoji="1" lang="zh-CN" altLang="en-US" spc="800" dirty="0"/>
+              <a:t>随机游走图论应用</a:t>
+            </a:r>
+            <a:r>
+              <a:rPr kumimoji="1" lang="zh-CN" altLang="en-US" spc="800" dirty="0"/>
+              <a:t>示例</a:t>
+            </a:r>
+            <a:endParaRPr kumimoji="1" lang="zh-CN" altLang="en-US" spc="800" dirty="0"/>
+          </a:p>
+        </p:txBody>
+      </p:sp>
+      <p:sp>
+        <p:nvSpPr>
+          <p:cNvPr id="12" name="矩形 11"/>
+          <p:cNvSpPr/>
+          <p:nvPr/>
+        </p:nvSpPr>
+        <p:spPr>
+          <a:xfrm>
+            <a:off x="353695" y="1358265"/>
+            <a:ext cx="10015220" cy="398780"/>
+          </a:xfrm>
+          <a:prstGeom prst="rect">
+            <a:avLst/>
+          </a:prstGeom>
+        </p:spPr>
+        <p:txBody>
+          <a:bodyPr wrap="square">
+            <a:spAutoFit/>
+          </a:bodyPr>
+          <a:lstStyle/>
+          <a:p>
+            <a:pPr marL="342900" marR="0" lvl="0" indent="-342900" algn="l" defTabSz="914400" rtl="0" eaLnBrk="1" fontAlgn="auto" latinLnBrk="0" hangingPunct="1">
+              <a:lnSpc>
+                <a:spcPct val="100000"/>
+              </a:lnSpc>
+              <a:spcBef>
+                <a:spcPts val="0"/>
+              </a:spcBef>
+              <a:spcAft>
+                <a:spcPts val="0"/>
+              </a:spcAft>
+              <a:buClrTx/>
+              <a:buSzTx/>
+              <a:buFont typeface="Wingdings" panose="05000000000000000000" pitchFamily="2" charset="2"/>
+              <a:buChar char="Ø"/>
+              <a:defRPr/>
+            </a:pPr>
+            <a:r>
+              <a:rPr kumimoji="1" lang="zh-CN" altLang="en-US" sz="2000" b="1" i="0" u="none" strike="noStrike" kern="1200" cap="none" spc="0" normalizeH="0" baseline="0" noProof="0" dirty="0">
+                <a:ln>
+                  <a:noFill/>
+                </a:ln>
+                <a:solidFill>
+                  <a:prstClr val="black"/>
+                </a:solidFill>
+                <a:effectLst/>
+                <a:uLnTx/>
+                <a:uFillTx/>
+                <a:latin typeface="微软雅黑" panose="020B0503020204020204" pitchFamily="34" charset="-122"/>
+                <a:ea typeface="微软雅黑" panose="020B0503020204020204" pitchFamily="34" charset="-122"/>
+                <a:cs typeface="+mn-cs"/>
+              </a:rPr>
               <a:t>PageRank算法</a:t>
             </a:r>
             <a:endParaRPr kumimoji="1" lang="zh-CN" altLang="en-US" sz="2000" b="1" i="0" u="none" strike="noStrike" kern="1200" cap="none" spc="0" normalizeH="0" baseline="0" noProof="0" dirty="0">
@@ -9133,7 +9533,7 @@
 </p:sld>
 </file>
 
-<file path=ppt/slides/slide11.xml><?xml version="1.0" encoding="utf-8"?>
+<file path=ppt/slides/slide13.xml><?xml version="1.0" encoding="utf-8"?>
 <p:sld xmlns:a="http://schemas.openxmlformats.org/drawingml/2006/main" xmlns:r="http://schemas.openxmlformats.org/officeDocument/2006/relationships" xmlns:p="http://schemas.openxmlformats.org/presentationml/2006/main">
   <p:cSld>
     <p:spTree>
@@ -9219,7 +9619,7 @@
 </p:sld>
 </file>
 
-<file path=ppt/slides/slide12.xml><?xml version="1.0" encoding="utf-8"?>
+<file path=ppt/slides/slide14.xml><?xml version="1.0" encoding="utf-8"?>
 <p:sld xmlns:a="http://schemas.openxmlformats.org/drawingml/2006/main" xmlns:r="http://schemas.openxmlformats.org/officeDocument/2006/relationships" xmlns:p="http://schemas.openxmlformats.org/presentationml/2006/main">
   <p:cSld>
     <p:spTree>
@@ -9308,7 +9708,69 @@
 </p:sld>
 </file>
 
-<file path=ppt/slides/slide13.xml><?xml version="1.0" encoding="utf-8"?>
+<file path=ppt/slides/slide15.xml><?xml version="1.0" encoding="utf-8"?>
+<p:sld xmlns:a="http://schemas.openxmlformats.org/drawingml/2006/main" xmlns:r="http://schemas.openxmlformats.org/officeDocument/2006/relationships" xmlns:p="http://schemas.openxmlformats.org/presentationml/2006/main">
+  <p:cSld>
+    <p:spTree>
+      <p:nvGrpSpPr>
+        <p:cNvPr id="1" name=""/>
+        <p:cNvGrpSpPr/>
+        <p:nvPr/>
+      </p:nvGrpSpPr>
+      <p:grpSpPr/>
+      <p:sp>
+        <p:nvSpPr>
+          <p:cNvPr id="2" name="标题 1"/>
+          <p:cNvSpPr>
+            <a:spLocks noGrp="1"/>
+          </p:cNvSpPr>
+          <p:nvPr>
+            <p:ph type="title"/>
+          </p:nvPr>
+        </p:nvSpPr>
+        <p:spPr/>
+        <p:txBody>
+          <a:bodyPr/>
+          <a:p>
+            <a:r>
+              <a:rPr kumimoji="1" lang="zh-CN" altLang="en-US" spc="800" dirty="0">
+                <a:sym typeface="+mn-ea"/>
+              </a:rPr>
+              <a:t>图上随机游走</a:t>
+            </a:r>
+            <a:endParaRPr kumimoji="1" lang="en-US" altLang="zh-CN" spc="800" dirty="0">
+              <a:sym typeface="+mn-ea"/>
+            </a:endParaRPr>
+          </a:p>
+        </p:txBody>
+      </p:sp>
+      <p:sp>
+        <p:nvSpPr>
+          <p:cNvPr id="3" name="内容占位符 2"/>
+          <p:cNvSpPr>
+            <a:spLocks noGrp="1"/>
+          </p:cNvSpPr>
+          <p:nvPr>
+            <p:ph idx="1"/>
+          </p:nvPr>
+        </p:nvSpPr>
+        <p:spPr/>
+        <p:txBody>
+          <a:bodyPr/>
+          <a:p>
+            <a:endParaRPr lang="zh-CN" altLang="en-US"/>
+          </a:p>
+        </p:txBody>
+      </p:sp>
+    </p:spTree>
+  </p:cSld>
+  <p:clrMapOvr>
+    <a:masterClrMapping/>
+  </p:clrMapOvr>
+</p:sld>
+</file>
+
+<file path=ppt/slides/slide16.xml><?xml version="1.0" encoding="utf-8"?>
 <p:sld xmlns:a="http://schemas.openxmlformats.org/drawingml/2006/main" xmlns:r="http://schemas.openxmlformats.org/officeDocument/2006/relationships" xmlns:p="http://schemas.openxmlformats.org/presentationml/2006/main">
   <p:cSld>
     <p:spTree>
@@ -9418,7 +9880,7 @@
 </p:sld>
 </file>
 
-<file path=ppt/slides/slide14.xml><?xml version="1.0" encoding="utf-8"?>
+<file path=ppt/slides/slide17.xml><?xml version="1.0" encoding="utf-8"?>
 <p:sld xmlns:a="http://schemas.openxmlformats.org/drawingml/2006/main" xmlns:r="http://schemas.openxmlformats.org/officeDocument/2006/relationships" xmlns:p="http://schemas.openxmlformats.org/presentationml/2006/main">
   <p:cSld>
     <p:spTree>
@@ -10713,7 +11175,7 @@
                 <a:ea typeface="微软雅黑" panose="020B0503020204020204" pitchFamily="34" charset="-122"/>
                 <a:cs typeface="+mn-cs"/>
               </a:rPr>
-              <a:t>个方向随机游走，当到达预先指定的随机停靠位置时就停止运动，动画中运动的五角星越来越少，当全部五角星都到达指定位置之后，开始一个新的动画。</a:t>
+              <a:t>个方向随机游走，当到达预先指定的随机停靠位置时就停止运动，动画中运动的五角星越来越少，直到全部五角星都到达指定位置。</a:t>
             </a:r>
             <a:endParaRPr kumimoji="1" lang="zh-CN" altLang="en-US" sz="2000" b="0" i="0" u="none" strike="noStrike" kern="1200" cap="none" spc="0" normalizeH="0" baseline="0" noProof="0" dirty="0">
               <a:ln>
@@ -10949,6 +11411,74 @@
         <p:cNvGrpSpPr/>
         <p:nvPr/>
       </p:nvGrpSpPr>
+      <p:grpSpPr/>
+      <p:sp>
+        <p:nvSpPr>
+          <p:cNvPr id="2" name="标题 1"/>
+          <p:cNvSpPr>
+            <a:spLocks noGrp="1"/>
+          </p:cNvSpPr>
+          <p:nvPr>
+            <p:ph type="title"/>
+          </p:nvPr>
+        </p:nvSpPr>
+        <p:spPr/>
+        <p:txBody>
+          <a:bodyPr>
+            <a:normAutofit/>
+          </a:bodyPr>
+          <a:p>
+            <a:r>
+              <a:rPr kumimoji="1" lang="en-US" altLang="zh-CN" spc="800" dirty="0">
+                <a:sym typeface="+mn-ea"/>
+              </a:rPr>
+              <a:t>2D</a:t>
+            </a:r>
+            <a:r>
+              <a:rPr kumimoji="1" lang="zh-CN" altLang="en-US" spc="800" dirty="0">
+                <a:sym typeface="+mn-ea"/>
+              </a:rPr>
+              <a:t>随机游走示例</a:t>
+            </a:r>
+            <a:endParaRPr lang="zh-CN" altLang="en-US"/>
+          </a:p>
+        </p:txBody>
+      </p:sp>
+      <p:sp>
+        <p:nvSpPr>
+          <p:cNvPr id="3" name="内容占位符 2"/>
+          <p:cNvSpPr>
+            <a:spLocks noGrp="1"/>
+          </p:cNvSpPr>
+          <p:nvPr>
+            <p:ph idx="1"/>
+          </p:nvPr>
+        </p:nvSpPr>
+        <p:spPr/>
+        <p:txBody>
+          <a:bodyPr/>
+          <a:p>
+            <a:endParaRPr lang="zh-CN" altLang="en-US"/>
+          </a:p>
+        </p:txBody>
+      </p:sp>
+    </p:spTree>
+  </p:cSld>
+  <p:clrMapOvr>
+    <a:masterClrMapping/>
+  </p:clrMapOvr>
+</p:sld>
+</file>
+
+<file path=ppt/slides/slide6.xml><?xml version="1.0" encoding="utf-8"?>
+<p:sld xmlns:a="http://schemas.openxmlformats.org/drawingml/2006/main" xmlns:r="http://schemas.openxmlformats.org/officeDocument/2006/relationships" xmlns:p="http://schemas.openxmlformats.org/presentationml/2006/main">
+  <p:cSld>
+    <p:spTree>
+      <p:nvGrpSpPr>
+        <p:cNvPr id="1" name=""/>
+        <p:cNvGrpSpPr/>
+        <p:nvPr/>
+      </p:nvGrpSpPr>
       <p:grpSpPr>
         <a:xfrm>
           <a:off x="0" y="0"/>
@@ -11115,7 +11645,75 @@
 </p:sld>
 </file>
 
-<file path=ppt/slides/slide6.xml><?xml version="1.0" encoding="utf-8"?>
+<file path=ppt/slides/slide7.xml><?xml version="1.0" encoding="utf-8"?>
+<p:sld xmlns:a="http://schemas.openxmlformats.org/drawingml/2006/main" xmlns:r="http://schemas.openxmlformats.org/officeDocument/2006/relationships" xmlns:p="http://schemas.openxmlformats.org/presentationml/2006/main">
+  <p:cSld>
+    <p:spTree>
+      <p:nvGrpSpPr>
+        <p:cNvPr id="1" name=""/>
+        <p:cNvGrpSpPr/>
+        <p:nvPr/>
+      </p:nvGrpSpPr>
+      <p:grpSpPr/>
+      <p:sp>
+        <p:nvSpPr>
+          <p:cNvPr id="2" name="标题 1"/>
+          <p:cNvSpPr>
+            <a:spLocks noGrp="1"/>
+          </p:cNvSpPr>
+          <p:nvPr>
+            <p:ph type="title"/>
+          </p:nvPr>
+        </p:nvSpPr>
+        <p:spPr/>
+        <p:txBody>
+          <a:bodyPr>
+            <a:normAutofit/>
+          </a:bodyPr>
+          <a:p>
+            <a:r>
+              <a:rPr kumimoji="1" lang="en-US" altLang="zh-CN" spc="800" dirty="0">
+                <a:sym typeface="+mn-ea"/>
+              </a:rPr>
+              <a:t>3D</a:t>
+            </a:r>
+            <a:r>
+              <a:rPr kumimoji="1" lang="zh-CN" altLang="en-US" spc="800" dirty="0">
+                <a:sym typeface="+mn-ea"/>
+              </a:rPr>
+              <a:t>随机游走示例</a:t>
+            </a:r>
+            <a:endParaRPr lang="zh-CN" altLang="en-US"/>
+          </a:p>
+        </p:txBody>
+      </p:sp>
+      <p:sp>
+        <p:nvSpPr>
+          <p:cNvPr id="3" name="内容占位符 2"/>
+          <p:cNvSpPr>
+            <a:spLocks noGrp="1"/>
+          </p:cNvSpPr>
+          <p:nvPr>
+            <p:ph idx="1"/>
+          </p:nvPr>
+        </p:nvSpPr>
+        <p:spPr/>
+        <p:txBody>
+          <a:bodyPr/>
+          <a:p>
+            <a:endParaRPr lang="zh-CN" altLang="en-US"/>
+          </a:p>
+        </p:txBody>
+      </p:sp>
+    </p:spTree>
+  </p:cSld>
+  <p:clrMapOvr>
+    <a:masterClrMapping/>
+  </p:clrMapOvr>
+</p:sld>
+</file>
+
+<file path=ppt/slides/slide8.xml><?xml version="1.0" encoding="utf-8"?>
 <p:sld xmlns:a="http://schemas.openxmlformats.org/drawingml/2006/main" xmlns:r="http://schemas.openxmlformats.org/officeDocument/2006/relationships" xmlns:p="http://schemas.openxmlformats.org/presentationml/2006/main">
   <p:cSld>
     <p:spTree>
@@ -11747,7 +12345,7 @@
 </p:sld>
 </file>
 
-<file path=ppt/slides/slide7.xml><?xml version="1.0" encoding="utf-8"?>
+<file path=ppt/slides/slide9.xml><?xml version="1.0" encoding="utf-8"?>
 <p:sld xmlns:a="http://schemas.openxmlformats.org/drawingml/2006/main" xmlns:r="http://schemas.openxmlformats.org/officeDocument/2006/relationships" xmlns:p="http://schemas.openxmlformats.org/presentationml/2006/main">
   <p:cSld>
     <p:spTree>
@@ -11982,403 +12580,6 @@
           </a:ln>
         </p:spPr>
       </p:pic>
-    </p:spTree>
-  </p:cSld>
-  <p:clrMapOvr>
-    <a:masterClrMapping/>
-  </p:clrMapOvr>
-</p:sld>
-</file>
-
-<file path=ppt/slides/slide8.xml><?xml version="1.0" encoding="utf-8"?>
-<p:sld xmlns:a="http://schemas.openxmlformats.org/drawingml/2006/main" xmlns:r="http://schemas.openxmlformats.org/officeDocument/2006/relationships" xmlns:p="http://schemas.openxmlformats.org/presentationml/2006/main">
-  <p:cSld>
-    <p:spTree>
-      <p:nvGrpSpPr>
-        <p:cNvPr id="1" name=""/>
-        <p:cNvGrpSpPr/>
-        <p:nvPr/>
-      </p:nvGrpSpPr>
-      <p:grpSpPr>
-        <a:xfrm>
-          <a:off x="0" y="0"/>
-          <a:ext cx="0" cy="0"/>
-          <a:chOff x="0" y="0"/>
-          <a:chExt cx="0" cy="0"/>
-        </a:xfrm>
-      </p:grpSpPr>
-      <p:sp>
-        <p:nvSpPr>
-          <p:cNvPr id="8" name="标题 1"/>
-          <p:cNvSpPr>
-            <a:spLocks noGrp="1"/>
-          </p:cNvSpPr>
-          <p:nvPr>
-            <p:ph type="title"/>
-          </p:nvPr>
-        </p:nvSpPr>
-        <p:spPr>
-          <a:xfrm>
-            <a:off x="2584810" y="342980"/>
-            <a:ext cx="8579679" cy="658651"/>
-          </a:xfrm>
-        </p:spPr>
-        <p:txBody>
-          <a:bodyPr>
-            <a:normAutofit/>
-          </a:bodyPr>
-          <a:lstStyle/>
-          <a:p>
-            <a:r>
-              <a:rPr kumimoji="1" lang="zh-CN" altLang="en-US" spc="800" dirty="0"/>
-              <a:t>随机游走图论应用</a:t>
-            </a:r>
-            <a:r>
-              <a:rPr kumimoji="1" lang="zh-CN" altLang="en-US" spc="800" dirty="0"/>
-              <a:t>示例</a:t>
-            </a:r>
-            <a:endParaRPr kumimoji="1" lang="zh-CN" altLang="en-US" spc="800" dirty="0"/>
-          </a:p>
-        </p:txBody>
-      </p:sp>
-      <p:sp>
-        <p:nvSpPr>
-          <p:cNvPr id="12" name="矩形 11"/>
-          <p:cNvSpPr/>
-          <p:nvPr/>
-        </p:nvSpPr>
-        <p:spPr>
-          <a:xfrm>
-            <a:off x="353695" y="1358265"/>
-            <a:ext cx="10015220" cy="398780"/>
-          </a:xfrm>
-          <a:prstGeom prst="rect">
-            <a:avLst/>
-          </a:prstGeom>
-        </p:spPr>
-        <p:txBody>
-          <a:bodyPr wrap="square">
-            <a:spAutoFit/>
-          </a:bodyPr>
-          <a:lstStyle/>
-          <a:p>
-            <a:pPr marL="342900" marR="0" lvl="0" indent="-342900" algn="l" defTabSz="914400" rtl="0" eaLnBrk="1" fontAlgn="auto" latinLnBrk="0" hangingPunct="1">
-              <a:lnSpc>
-                <a:spcPct val="100000"/>
-              </a:lnSpc>
-              <a:spcBef>
-                <a:spcPts val="0"/>
-              </a:spcBef>
-              <a:spcAft>
-                <a:spcPts val="0"/>
-              </a:spcAft>
-              <a:buClrTx/>
-              <a:buSzTx/>
-              <a:buFont typeface="Wingdings" panose="05000000000000000000" pitchFamily="2" charset="2"/>
-              <a:buChar char="Ø"/>
-              <a:defRPr/>
-            </a:pPr>
-            <a:r>
-              <a:rPr kumimoji="1" lang="zh-CN" altLang="en-US" sz="2000" b="1" i="0" u="none" strike="noStrike" kern="1200" cap="none" spc="0" normalizeH="0" baseline="0" noProof="0" dirty="0">
-                <a:ln>
-                  <a:noFill/>
-                </a:ln>
-                <a:solidFill>
-                  <a:prstClr val="black"/>
-                </a:solidFill>
-                <a:effectLst/>
-                <a:uLnTx/>
-                <a:uFillTx/>
-                <a:latin typeface="微软雅黑" panose="020B0503020204020204" pitchFamily="34" charset="-122"/>
-                <a:ea typeface="微软雅黑" panose="020B0503020204020204" pitchFamily="34" charset="-122"/>
-                <a:cs typeface="+mn-cs"/>
-              </a:rPr>
-              <a:t>基于随机游走的图匹配算法</a:t>
-            </a:r>
-            <a:endParaRPr kumimoji="1" lang="zh-CN" altLang="en-US" sz="2000" b="1" i="0" u="none" strike="noStrike" kern="1200" cap="none" spc="0" normalizeH="0" baseline="0" noProof="0" dirty="0">
-              <a:ln>
-                <a:noFill/>
-              </a:ln>
-              <a:solidFill>
-                <a:prstClr val="black"/>
-              </a:solidFill>
-              <a:effectLst/>
-              <a:uLnTx/>
-              <a:uFillTx/>
-              <a:latin typeface="微软雅黑" panose="020B0503020204020204" pitchFamily="34" charset="-122"/>
-              <a:ea typeface="微软雅黑" panose="020B0503020204020204" pitchFamily="34" charset="-122"/>
-              <a:cs typeface="+mn-cs"/>
-            </a:endParaRPr>
-          </a:p>
-        </p:txBody>
-      </p:sp>
-      <p:sp>
-        <p:nvSpPr>
-          <p:cNvPr id="16" name="文本框 15"/>
-          <p:cNvSpPr txBox="1"/>
-          <p:nvPr/>
-        </p:nvSpPr>
-        <p:spPr>
-          <a:xfrm>
-            <a:off x="796925" y="1892935"/>
-            <a:ext cx="9510395" cy="1476375"/>
-          </a:xfrm>
-          <a:prstGeom prst="rect">
-            <a:avLst/>
-          </a:prstGeom>
-          <a:noFill/>
-        </p:spPr>
-        <p:txBody>
-          <a:bodyPr wrap="square">
-            <a:spAutoFit/>
-          </a:bodyPr>
-          <a:lstStyle/>
-          <a:p>
-            <a:pPr marL="228600" marR="0" indent="-228600" algn="just" defTabSz="914400" fontAlgn="auto">
-              <a:lnSpc>
-                <a:spcPct val="150000"/>
-              </a:lnSpc>
-              <a:spcBef>
-                <a:spcPts val="0"/>
-              </a:spcBef>
-              <a:spcAft>
-                <a:spcPts val="0"/>
-              </a:spcAft>
-              <a:buClrTx/>
-              <a:buSzTx/>
-              <a:buFont typeface="Arial" panose="020B0604020202020204" pitchFamily="34" charset="0"/>
-              <a:buChar char="•"/>
-              <a:defRPr/>
-            </a:pPr>
-            <a:r>
-              <a:rPr kumimoji="1" lang="zh-CN" altLang="en-US" sz="2000" b="0" i="0" cap="none" spc="0" normalizeH="0" baseline="0" noProof="0" dirty="0">
-                <a:latin typeface="微软雅黑" panose="020B0503020204020204" pitchFamily="34" charset="-122"/>
-                <a:ea typeface="微软雅黑" panose="020B0503020204020204" pitchFamily="34" charset="-122"/>
-              </a:rPr>
-              <a:t>图匹配（graph matching，GM）算法旨在利用图结构的相似度信息，寻找图结构之间节点与节点之间的匹配关系。在图匹配问题中，</a:t>
-            </a:r>
-            <a:r>
-              <a:rPr kumimoji="1" lang="zh-CN" altLang="en-US" sz="2000" b="0" i="0" cap="none" spc="0" normalizeH="0" baseline="0" noProof="0" dirty="0">
-                <a:latin typeface="微软雅黑" panose="020B0503020204020204" pitchFamily="34" charset="-122"/>
-                <a:ea typeface="微软雅黑" panose="020B0503020204020204" pitchFamily="34" charset="-122"/>
-              </a:rPr>
-              <a:t>需要同时考虑图结构之间节点与节点的一阶相似度以及边与边的二阶相似度。</a:t>
-            </a:r>
-            <a:endParaRPr kumimoji="1" lang="zh-CN" altLang="en-US" sz="2000" b="0" i="0" cap="none" spc="0" normalizeH="0" baseline="0" noProof="0" dirty="0">
-              <a:latin typeface="微软雅黑" panose="020B0503020204020204" pitchFamily="34" charset="-122"/>
-              <a:ea typeface="微软雅黑" panose="020B0503020204020204" pitchFamily="34" charset="-122"/>
-            </a:endParaRPr>
-          </a:p>
-        </p:txBody>
-      </p:sp>
-      <p:pic>
-        <p:nvPicPr>
-          <p:cNvPr id="2" name="图片 1"/>
-          <p:cNvPicPr/>
-          <p:nvPr/>
-        </p:nvPicPr>
-        <p:blipFill>
-          <a:blip r:embed="rId1"/>
-          <a:stretch>
-            <a:fillRect/>
-          </a:stretch>
-        </p:blipFill>
-        <p:spPr>
-          <a:xfrm>
-            <a:off x="2236470" y="3763645"/>
-            <a:ext cx="6631305" cy="2141855"/>
-          </a:xfrm>
-          <a:prstGeom prst="rect">
-            <a:avLst/>
-          </a:prstGeom>
-          <a:noFill/>
-          <a:ln w="9525">
-            <a:noFill/>
-          </a:ln>
-        </p:spPr>
-      </p:pic>
-    </p:spTree>
-  </p:cSld>
-  <p:clrMapOvr>
-    <a:masterClrMapping/>
-  </p:clrMapOvr>
-</p:sld>
-</file>
-
-<file path=ppt/slides/slide9.xml><?xml version="1.0" encoding="utf-8"?>
-<p:sld xmlns:a="http://schemas.openxmlformats.org/drawingml/2006/main" xmlns:r="http://schemas.openxmlformats.org/officeDocument/2006/relationships" xmlns:p="http://schemas.openxmlformats.org/presentationml/2006/main">
-  <p:cSld>
-    <p:spTree>
-      <p:nvGrpSpPr>
-        <p:cNvPr id="1" name=""/>
-        <p:cNvGrpSpPr/>
-        <p:nvPr/>
-      </p:nvGrpSpPr>
-      <p:grpSpPr>
-        <a:xfrm>
-          <a:off x="0" y="0"/>
-          <a:ext cx="0" cy="0"/>
-          <a:chOff x="0" y="0"/>
-          <a:chExt cx="0" cy="0"/>
-        </a:xfrm>
-      </p:grpSpPr>
-      <p:sp>
-        <p:nvSpPr>
-          <p:cNvPr id="8" name="标题 1"/>
-          <p:cNvSpPr>
-            <a:spLocks noGrp="1"/>
-          </p:cNvSpPr>
-          <p:nvPr>
-            <p:ph type="title"/>
-          </p:nvPr>
-        </p:nvSpPr>
-        <p:spPr>
-          <a:xfrm>
-            <a:off x="2584810" y="342980"/>
-            <a:ext cx="8579679" cy="658651"/>
-          </a:xfrm>
-        </p:spPr>
-        <p:txBody>
-          <a:bodyPr>
-            <a:normAutofit/>
-          </a:bodyPr>
-          <a:lstStyle/>
-          <a:p>
-            <a:r>
-              <a:rPr kumimoji="1" lang="zh-CN" altLang="en-US" spc="800" dirty="0"/>
-              <a:t>随机游走图论应用</a:t>
-            </a:r>
-            <a:r>
-              <a:rPr kumimoji="1" lang="zh-CN" altLang="en-US" spc="800" dirty="0"/>
-              <a:t>示例</a:t>
-            </a:r>
-            <a:endParaRPr kumimoji="1" lang="zh-CN" altLang="en-US" spc="800" dirty="0"/>
-          </a:p>
-        </p:txBody>
-      </p:sp>
-      <p:sp>
-        <p:nvSpPr>
-          <p:cNvPr id="12" name="矩形 11"/>
-          <p:cNvSpPr/>
-          <p:nvPr/>
-        </p:nvSpPr>
-        <p:spPr>
-          <a:xfrm>
-            <a:off x="353695" y="1358265"/>
-            <a:ext cx="10015220" cy="398780"/>
-          </a:xfrm>
-          <a:prstGeom prst="rect">
-            <a:avLst/>
-          </a:prstGeom>
-        </p:spPr>
-        <p:txBody>
-          <a:bodyPr wrap="square">
-            <a:spAutoFit/>
-          </a:bodyPr>
-          <a:lstStyle/>
-          <a:p>
-            <a:pPr marL="342900" marR="0" lvl="0" indent="-342900" algn="l" defTabSz="914400" rtl="0" eaLnBrk="1" fontAlgn="auto" latinLnBrk="0" hangingPunct="1">
-              <a:lnSpc>
-                <a:spcPct val="100000"/>
-              </a:lnSpc>
-              <a:spcBef>
-                <a:spcPts val="0"/>
-              </a:spcBef>
-              <a:spcAft>
-                <a:spcPts val="0"/>
-              </a:spcAft>
-              <a:buClrTx/>
-              <a:buSzTx/>
-              <a:buFont typeface="Wingdings" panose="05000000000000000000" pitchFamily="2" charset="2"/>
-              <a:buChar char="Ø"/>
-              <a:defRPr/>
-            </a:pPr>
-            <a:r>
-              <a:rPr kumimoji="1" lang="zh-CN" altLang="en-US" sz="2000" b="1" i="0" u="none" strike="noStrike" kern="1200" cap="none" spc="0" normalizeH="0" baseline="0" noProof="0" dirty="0">
-                <a:ln>
-                  <a:noFill/>
-                </a:ln>
-                <a:solidFill>
-                  <a:prstClr val="black"/>
-                </a:solidFill>
-                <a:effectLst/>
-                <a:uLnTx/>
-                <a:uFillTx/>
-                <a:latin typeface="微软雅黑" panose="020B0503020204020204" pitchFamily="34" charset="-122"/>
-                <a:ea typeface="微软雅黑" panose="020B0503020204020204" pitchFamily="34" charset="-122"/>
-                <a:cs typeface="+mn-cs"/>
-              </a:rPr>
-              <a:t>PageRank算法</a:t>
-            </a:r>
-            <a:endParaRPr kumimoji="1" lang="zh-CN" altLang="en-US" sz="2000" b="1" i="0" u="none" strike="noStrike" kern="1200" cap="none" spc="0" normalizeH="0" baseline="0" noProof="0" dirty="0">
-              <a:ln>
-                <a:noFill/>
-              </a:ln>
-              <a:solidFill>
-                <a:prstClr val="black"/>
-              </a:solidFill>
-              <a:effectLst/>
-              <a:uLnTx/>
-              <a:uFillTx/>
-              <a:latin typeface="微软雅黑" panose="020B0503020204020204" pitchFamily="34" charset="-122"/>
-              <a:ea typeface="微软雅黑" panose="020B0503020204020204" pitchFamily="34" charset="-122"/>
-              <a:cs typeface="+mn-cs"/>
-            </a:endParaRPr>
-          </a:p>
-        </p:txBody>
-      </p:sp>
-      <p:sp>
-        <p:nvSpPr>
-          <p:cNvPr id="16" name="文本框 15"/>
-          <p:cNvSpPr txBox="1"/>
-          <p:nvPr/>
-        </p:nvSpPr>
-        <p:spPr>
-          <a:xfrm>
-            <a:off x="677545" y="2247900"/>
-            <a:ext cx="10487025" cy="1938020"/>
-          </a:xfrm>
-          <a:prstGeom prst="rect">
-            <a:avLst/>
-          </a:prstGeom>
-          <a:noFill/>
-        </p:spPr>
-        <p:txBody>
-          <a:bodyPr wrap="square">
-            <a:spAutoFit/>
-          </a:bodyPr>
-          <a:lstStyle/>
-          <a:p>
-            <a:pPr marL="228600" marR="0" indent="-228600" algn="just" defTabSz="914400" fontAlgn="auto">
-              <a:lnSpc>
-                <a:spcPct val="150000"/>
-              </a:lnSpc>
-              <a:spcBef>
-                <a:spcPts val="0"/>
-              </a:spcBef>
-              <a:spcAft>
-                <a:spcPts val="0"/>
-              </a:spcAft>
-              <a:buClrTx/>
-              <a:buSzTx/>
-              <a:buFont typeface="Arial" panose="020B0604020202020204" pitchFamily="34" charset="0"/>
-              <a:buChar char="•"/>
-              <a:defRPr/>
-            </a:pPr>
-            <a:r>
-              <a:rPr kumimoji="1" lang="zh-CN" altLang="en-US" sz="2000" b="0" i="0" cap="none" spc="0" normalizeH="0" baseline="0" noProof="0" dirty="0">
-                <a:latin typeface="微软雅黑" panose="020B0503020204020204" pitchFamily="34" charset="-122"/>
-                <a:ea typeface="微软雅黑" panose="020B0503020204020204" pitchFamily="34" charset="-122"/>
-              </a:rPr>
-              <a:t>PageRank算法的基本想法是在有向图上定义一个随机游走模型，即一阶马尔可夫链，描述随机游走者沿着有向图随机访问各个结点的行为。用户随机地点击当前网页中的某个链接，跳转到下一个网站，被更多用户访问的网站因此具有更高的权重，在搜索结果中排名更加靠前，通过构建网页之间的链接关系图，搜索引擎就能为所有网页计算权重并排序。</a:t>
-            </a:r>
-            <a:endParaRPr kumimoji="1" lang="zh-CN" altLang="en-US" sz="2000" b="0" i="0" cap="none" spc="0" normalizeH="0" baseline="0" noProof="0" dirty="0">
-              <a:latin typeface="微软雅黑" panose="020B0503020204020204" pitchFamily="34" charset="-122"/>
-              <a:ea typeface="微软雅黑" panose="020B0503020204020204" pitchFamily="34" charset="-122"/>
-            </a:endParaRPr>
-          </a:p>
-        </p:txBody>
-      </p:sp>
     </p:spTree>
   </p:cSld>
   <p:clrMapOvr>
